--- a/Presentations/10-2-2015_Presentation.pptx
+++ b/Presentations/10-2-2015_Presentation.pptx
@@ -109,6 +109,11 @@
       </a:defRPr>
     </a:lvl9pPr>
   </p:defaultTextStyle>
+  <p:extLst>
+    <p:ext uri="{EFAFB233-063F-42B5-8137-9DF3F51BA10A}">
+      <p15:sldGuideLst xmlns:p15="http://schemas.microsoft.com/office/powerpoint/2012/main"/>
+    </p:ext>
+  </p:extLst>
 </p:presentation>
 </file>
 
@@ -298,7 +303,7 @@
           <a:p>
             <a:fld id="{E20D963B-2D4F-495B-A2B5-E46053ACE7DA}" type="datetimeFigureOut">
               <a:rPr lang="en-US" smtClean="0"/>
-              <a:t>10/2/2015</a:t>
+              <a:t>10/5/2015</a:t>
             </a:fld>
             <a:endParaRPr lang="en-US"/>
           </a:p>
@@ -573,7 +578,7 @@
           <a:p>
             <a:fld id="{E20D963B-2D4F-495B-A2B5-E46053ACE7DA}" type="datetimeFigureOut">
               <a:rPr lang="en-US" smtClean="0"/>
-              <a:t>10/2/2015</a:t>
+              <a:t>10/5/2015</a:t>
             </a:fld>
             <a:endParaRPr lang="en-US"/>
           </a:p>
@@ -767,7 +772,7 @@
           <a:p>
             <a:fld id="{E20D963B-2D4F-495B-A2B5-E46053ACE7DA}" type="datetimeFigureOut">
               <a:rPr lang="en-US" smtClean="0"/>
-              <a:t>10/2/2015</a:t>
+              <a:t>10/5/2015</a:t>
             </a:fld>
             <a:endParaRPr lang="en-US"/>
           </a:p>
@@ -1040,7 +1045,7 @@
           <a:p>
             <a:fld id="{E20D963B-2D4F-495B-A2B5-E46053ACE7DA}" type="datetimeFigureOut">
               <a:rPr lang="en-US" smtClean="0"/>
-              <a:t>10/2/2015</a:t>
+              <a:t>10/5/2015</a:t>
             </a:fld>
             <a:endParaRPr lang="en-US"/>
           </a:p>
@@ -1381,7 +1386,7 @@
           <a:p>
             <a:fld id="{E20D963B-2D4F-495B-A2B5-E46053ACE7DA}" type="datetimeFigureOut">
               <a:rPr lang="en-US" smtClean="0"/>
-              <a:t>10/2/2015</a:t>
+              <a:t>10/5/2015</a:t>
             </a:fld>
             <a:endParaRPr lang="en-US"/>
           </a:p>
@@ -2004,7 +2009,7 @@
           <a:p>
             <a:fld id="{E20D963B-2D4F-495B-A2B5-E46053ACE7DA}" type="datetimeFigureOut">
               <a:rPr lang="en-US" smtClean="0"/>
-              <a:t>10/2/2015</a:t>
+              <a:t>10/5/2015</a:t>
             </a:fld>
             <a:endParaRPr lang="en-US"/>
           </a:p>
@@ -2864,7 +2869,7 @@
           <a:p>
             <a:fld id="{E20D963B-2D4F-495B-A2B5-E46053ACE7DA}" type="datetimeFigureOut">
               <a:rPr lang="en-US" smtClean="0"/>
-              <a:t>10/2/2015</a:t>
+              <a:t>10/5/2015</a:t>
             </a:fld>
             <a:endParaRPr lang="en-US"/>
           </a:p>
@@ -3034,7 +3039,7 @@
           <a:p>
             <a:fld id="{E20D963B-2D4F-495B-A2B5-E46053ACE7DA}" type="datetimeFigureOut">
               <a:rPr lang="en-US" smtClean="0"/>
-              <a:t>10/2/2015</a:t>
+              <a:t>10/5/2015</a:t>
             </a:fld>
             <a:endParaRPr lang="en-US"/>
           </a:p>
@@ -3214,7 +3219,7 @@
           <a:p>
             <a:fld id="{E20D963B-2D4F-495B-A2B5-E46053ACE7DA}" type="datetimeFigureOut">
               <a:rPr lang="en-US" smtClean="0"/>
-              <a:t>10/2/2015</a:t>
+              <a:t>10/5/2015</a:t>
             </a:fld>
             <a:endParaRPr lang="en-US"/>
           </a:p>
@@ -3384,7 +3389,7 @@
           <a:p>
             <a:fld id="{E20D963B-2D4F-495B-A2B5-E46053ACE7DA}" type="datetimeFigureOut">
               <a:rPr lang="en-US" smtClean="0"/>
-              <a:t>10/2/2015</a:t>
+              <a:t>10/5/2015</a:t>
             </a:fld>
             <a:endParaRPr lang="en-US"/>
           </a:p>
@@ -3631,7 +3636,7 @@
           <a:p>
             <a:fld id="{E20D963B-2D4F-495B-A2B5-E46053ACE7DA}" type="datetimeFigureOut">
               <a:rPr lang="en-US" smtClean="0"/>
-              <a:t>10/2/2015</a:t>
+              <a:t>10/5/2015</a:t>
             </a:fld>
             <a:endParaRPr lang="en-US"/>
           </a:p>
@@ -3923,7 +3928,7 @@
           <a:p>
             <a:fld id="{E20D963B-2D4F-495B-A2B5-E46053ACE7DA}" type="datetimeFigureOut">
               <a:rPr lang="en-US" smtClean="0"/>
-              <a:t>10/2/2015</a:t>
+              <a:t>10/5/2015</a:t>
             </a:fld>
             <a:endParaRPr lang="en-US"/>
           </a:p>
@@ -4367,7 +4372,7 @@
           <a:p>
             <a:fld id="{E20D963B-2D4F-495B-A2B5-E46053ACE7DA}" type="datetimeFigureOut">
               <a:rPr lang="en-US" smtClean="0"/>
-              <a:t>10/2/2015</a:t>
+              <a:t>10/5/2015</a:t>
             </a:fld>
             <a:endParaRPr lang="en-US"/>
           </a:p>
@@ -4485,7 +4490,7 @@
           <a:p>
             <a:fld id="{E20D963B-2D4F-495B-A2B5-E46053ACE7DA}" type="datetimeFigureOut">
               <a:rPr lang="en-US" smtClean="0"/>
-              <a:t>10/2/2015</a:t>
+              <a:t>10/5/2015</a:t>
             </a:fld>
             <a:endParaRPr lang="en-US"/>
           </a:p>
@@ -4580,7 +4585,7 @@
           <a:p>
             <a:fld id="{E20D963B-2D4F-495B-A2B5-E46053ACE7DA}" type="datetimeFigureOut">
               <a:rPr lang="en-US" smtClean="0"/>
-              <a:t>10/2/2015</a:t>
+              <a:t>10/5/2015</a:t>
             </a:fld>
             <a:endParaRPr lang="en-US"/>
           </a:p>
@@ -4859,7 +4864,7 @@
           <a:p>
             <a:fld id="{E20D963B-2D4F-495B-A2B5-E46053ACE7DA}" type="datetimeFigureOut">
               <a:rPr lang="en-US" smtClean="0"/>
-              <a:t>10/2/2015</a:t>
+              <a:t>10/5/2015</a:t>
             </a:fld>
             <a:endParaRPr lang="en-US"/>
           </a:p>
@@ -5134,7 +5139,7 @@
           <a:p>
             <a:fld id="{E20D963B-2D4F-495B-A2B5-E46053ACE7DA}" type="datetimeFigureOut">
               <a:rPr lang="en-US" smtClean="0"/>
-              <a:t>10/2/2015</a:t>
+              <a:t>10/5/2015</a:t>
             </a:fld>
             <a:endParaRPr lang="en-US"/>
           </a:p>
@@ -5563,7 +5568,7 @@
           <a:p>
             <a:fld id="{E20D963B-2D4F-495B-A2B5-E46053ACE7DA}" type="datetimeFigureOut">
               <a:rPr lang="en-US" smtClean="0"/>
-              <a:t>10/2/2015</a:t>
+              <a:t>10/5/2015</a:t>
             </a:fld>
             <a:endParaRPr lang="en-US"/>
           </a:p>
@@ -6396,7 +6401,19 @@
             <a:pPr lvl="1"/>
             <a:r>
               <a:rPr lang="en-US" dirty="0" smtClean="0"/>
-              <a:t>Supplies payload with power and communication requirements</a:t>
+              <a:t>Supplies payload with </a:t>
+            </a:r>
+            <a:r>
+              <a:rPr lang="en-US" smtClean="0"/>
+              <a:t>power </a:t>
+            </a:r>
+            <a:r>
+              <a:rPr lang="en-US" smtClean="0"/>
+              <a:t>(5W) and </a:t>
+            </a:r>
+            <a:r>
+              <a:rPr lang="en-US" dirty="0" smtClean="0"/>
+              <a:t>communication requirements</a:t>
             </a:r>
           </a:p>
           <a:p>
